--- a/Presentation - Diabetes Dashboard.pptx
+++ b/Presentation - Diabetes Dashboard.pptx
@@ -324,7 +324,7 @@
             <a:fld id="{1D8BD707-D9CF-40AE-B4C6-C98DA3205C09}" type="datetimeFigureOut">
               <a:rPr lang="en-US" smtClean="0"/>
               <a:pPr/>
-              <a:t>10/8/2025</a:t>
+              <a:t>10/14/2025</a:t>
             </a:fld>
             <a:endParaRPr lang="en-US"/>
           </a:p>
@@ -491,7 +491,7 @@
             <a:fld id="{1D8BD707-D9CF-40AE-B4C6-C98DA3205C09}" type="datetimeFigureOut">
               <a:rPr lang="en-US" smtClean="0"/>
               <a:pPr/>
-              <a:t>10/8/2025</a:t>
+              <a:t>10/14/2025</a:t>
             </a:fld>
             <a:endParaRPr lang="en-US"/>
           </a:p>
@@ -668,7 +668,7 @@
             <a:fld id="{1D8BD707-D9CF-40AE-B4C6-C98DA3205C09}" type="datetimeFigureOut">
               <a:rPr lang="en-US" smtClean="0"/>
               <a:pPr/>
-              <a:t>10/8/2025</a:t>
+              <a:t>10/14/2025</a:t>
             </a:fld>
             <a:endParaRPr lang="en-US"/>
           </a:p>
@@ -835,7 +835,7 @@
             <a:fld id="{1D8BD707-D9CF-40AE-B4C6-C98DA3205C09}" type="datetimeFigureOut">
               <a:rPr lang="en-US" smtClean="0"/>
               <a:pPr/>
-              <a:t>10/8/2025</a:t>
+              <a:t>10/14/2025</a:t>
             </a:fld>
             <a:endParaRPr lang="en-US"/>
           </a:p>
@@ -1078,7 +1078,7 @@
             <a:fld id="{1D8BD707-D9CF-40AE-B4C6-C98DA3205C09}" type="datetimeFigureOut">
               <a:rPr lang="en-US" smtClean="0"/>
               <a:pPr/>
-              <a:t>10/8/2025</a:t>
+              <a:t>10/14/2025</a:t>
             </a:fld>
             <a:endParaRPr lang="en-US"/>
           </a:p>
@@ -1363,7 +1363,7 @@
             <a:fld id="{1D8BD707-D9CF-40AE-B4C6-C98DA3205C09}" type="datetimeFigureOut">
               <a:rPr lang="en-US" smtClean="0"/>
               <a:pPr/>
-              <a:t>10/8/2025</a:t>
+              <a:t>10/14/2025</a:t>
             </a:fld>
             <a:endParaRPr lang="en-US"/>
           </a:p>
@@ -1782,7 +1782,7 @@
             <a:fld id="{1D8BD707-D9CF-40AE-B4C6-C98DA3205C09}" type="datetimeFigureOut">
               <a:rPr lang="en-US" smtClean="0"/>
               <a:pPr/>
-              <a:t>10/8/2025</a:t>
+              <a:t>10/14/2025</a:t>
             </a:fld>
             <a:endParaRPr lang="en-US"/>
           </a:p>
@@ -1897,7 +1897,7 @@
             <a:fld id="{1D8BD707-D9CF-40AE-B4C6-C98DA3205C09}" type="datetimeFigureOut">
               <a:rPr lang="en-US" smtClean="0"/>
               <a:pPr/>
-              <a:t>10/8/2025</a:t>
+              <a:t>10/14/2025</a:t>
             </a:fld>
             <a:endParaRPr lang="en-US"/>
           </a:p>
@@ -1989,7 +1989,7 @@
             <a:fld id="{1D8BD707-D9CF-40AE-B4C6-C98DA3205C09}" type="datetimeFigureOut">
               <a:rPr lang="en-US" smtClean="0"/>
               <a:pPr/>
-              <a:t>10/8/2025</a:t>
+              <a:t>10/14/2025</a:t>
             </a:fld>
             <a:endParaRPr lang="en-US"/>
           </a:p>
@@ -2263,7 +2263,7 @@
             <a:fld id="{1D8BD707-D9CF-40AE-B4C6-C98DA3205C09}" type="datetimeFigureOut">
               <a:rPr lang="en-US" smtClean="0"/>
               <a:pPr/>
-              <a:t>10/8/2025</a:t>
+              <a:t>10/14/2025</a:t>
             </a:fld>
             <a:endParaRPr lang="en-US"/>
           </a:p>
@@ -2513,7 +2513,7 @@
             <a:fld id="{1D8BD707-D9CF-40AE-B4C6-C98DA3205C09}" type="datetimeFigureOut">
               <a:rPr lang="en-US" smtClean="0"/>
               <a:pPr/>
-              <a:t>10/8/2025</a:t>
+              <a:t>10/14/2025</a:t>
             </a:fld>
             <a:endParaRPr lang="en-US"/>
           </a:p>
@@ -2723,7 +2723,7 @@
             <a:fld id="{1D8BD707-D9CF-40AE-B4C6-C98DA3205C09}" type="datetimeFigureOut">
               <a:rPr lang="en-US" smtClean="0"/>
               <a:pPr/>
-              <a:t>10/8/2025</a:t>
+              <a:t>10/14/2025</a:t>
             </a:fld>
             <a:endParaRPr lang="en-US"/>
           </a:p>
@@ -3122,10 +3122,10 @@
         </p:nvGrpSpPr>
         <p:grpSpPr>
           <a:xfrm>
-            <a:off x="10744200" y="666750"/>
-            <a:ext cx="6877050" cy="585084"/>
-            <a:chOff x="0" y="0"/>
-            <a:chExt cx="9169400" cy="780112"/>
+            <a:off x="10744201" y="738188"/>
+            <a:ext cx="6877049" cy="461665"/>
+            <a:chOff x="1" y="95251"/>
+            <a:chExt cx="9169399" cy="615553"/>
           </a:xfrm>
         </p:grpSpPr>
         <p:sp>
@@ -3170,7 +3170,7 @@
               <a:blip r:embed="rId2" cstate="print">
                 <a:extLst>
                   <a:ext uri="{96DAC541-7B7A-43D3-8B79-37D633B846F1}">
-                    <asvg:svgBlip xmlns:asvg="http://schemas.microsoft.com/office/drawing/2016/SVG/main" xmlns="" r:embed="rId3"/>
+                    <asvg:svgBlip xmlns="" xmlns:asvg="http://schemas.microsoft.com/office/drawing/2016/SVG/main" r:embed="rId3"/>
                   </a:ext>
                 </a:extLst>
               </a:blip>
@@ -3188,8 +3188,8 @@
           </p:nvSpPr>
           <p:spPr>
             <a:xfrm>
-              <a:off x="795304" y="95250"/>
-              <a:ext cx="8374096" cy="684862"/>
+              <a:off x="795304" y="95251"/>
+              <a:ext cx="8374096" cy="615553"/>
             </a:xfrm>
             <a:prstGeom prst="rect">
               <a:avLst/>
@@ -3206,18 +3206,15 @@
                   <a:spcPts val="3555"/>
                 </a:lnSpc>
               </a:pPr>
-              <a:r>
-                <a:rPr lang="en-US" sz="3864" spc="-77">
-                  <a:solidFill>
-                    <a:srgbClr val="2361DD"/>
-                  </a:solidFill>
-                  <a:latin typeface="Georgia Pro Light"/>
-                  <a:ea typeface="Georgia Pro Light"/>
-                  <a:cs typeface="Georgia Pro Light"/>
-                  <a:sym typeface="Georgia Pro Light"/>
-                </a:rPr>
-                <a:t>Health Insights</a:t>
-              </a:r>
+              <a:endParaRPr lang="en-US" sz="3864" spc="-77" dirty="0">
+                <a:solidFill>
+                  <a:srgbClr val="2361DD"/>
+                </a:solidFill>
+                <a:latin typeface="Georgia Pro Light"/>
+                <a:ea typeface="Georgia Pro Light"/>
+                <a:cs typeface="Georgia Pro Light"/>
+                <a:sym typeface="Georgia Pro Light"/>
+              </a:endParaRPr>
             </a:p>
           </p:txBody>
         </p:sp>
